--- a/BattleBus.pptx
+++ b/BattleBus.pptx
@@ -5,12 +5,14 @@
     <p:sldMasterId id="2147483673" r:id="rId1"/>
   </p:sldMasterIdLst>
   <p:sldIdLst>
-    <p:sldId id="256" r:id="rId2"/>
+    <p:sldId id="262" r:id="rId2"/>
     <p:sldId id="260" r:id="rId3"/>
     <p:sldId id="261" r:id="rId4"/>
     <p:sldId id="257" r:id="rId5"/>
     <p:sldId id="258" r:id="rId6"/>
-    <p:sldId id="259" r:id="rId7"/>
+    <p:sldId id="264" r:id="rId7"/>
+    <p:sldId id="259" r:id="rId8"/>
+    <p:sldId id="263" r:id="rId9"/>
   </p:sldIdLst>
   <p:sldSz cx="12192000" cy="6858000"/>
   <p:notesSz cx="6858000" cy="9144000"/>
@@ -3824,14 +3826,6 @@
 <file path=ppt/slides/slide1.xml><?xml version="1.0" encoding="utf-8"?>
 <p:sld xmlns:a="http://schemas.openxmlformats.org/drawingml/2006/main" xmlns:r="http://schemas.openxmlformats.org/officeDocument/2006/relationships" xmlns:p="http://schemas.openxmlformats.org/presentationml/2006/main">
   <p:cSld>
-    <p:bg>
-      <p:bgPr>
-        <a:solidFill>
-          <a:schemeClr val="bg1"/>
-        </a:solidFill>
-        <a:effectLst/>
-      </p:bgPr>
-    </p:bg>
     <p:spTree>
       <p:nvGrpSpPr>
         <p:cNvPr id="1" name=""/>
@@ -3846,500 +3840,32 @@
           <a:chExt cx="0" cy="0"/>
         </a:xfrm>
       </p:grpSpPr>
-      <p:sp useBgFill="1">
-        <p:nvSpPr>
-          <p:cNvPr id="53" name="Rectangle 40">
-            <a:extLst>
-              <a:ext uri="{FF2B5EF4-FFF2-40B4-BE49-F238E27FC236}">
-                <a16:creationId xmlns:a16="http://schemas.microsoft.com/office/drawing/2014/main" id="{D6113EED-8B51-4277-82C3-12E98FBF3EB8}"/>
-              </a:ext>
-              <a:ext uri="{C183D7F6-B498-43B3-948B-1728B52AA6E4}">
-                <adec:decorative xmlns:adec="http://schemas.microsoft.com/office/drawing/2017/decorative" xmlns="" val="1"/>
-              </a:ext>
-            </a:extLst>
-          </p:cNvPr>
-          <p:cNvSpPr>
-            <a:spLocks noGrp="1" noRot="1" noChangeAspect="1" noMove="1" noResize="1" noEditPoints="1" noAdjustHandles="1" noChangeArrowheads="1" noChangeShapeType="1" noTextEdit="1"/>
-          </p:cNvSpPr>
-          <p:nvPr>
-            <p:extLst>
-              <p:ext uri="{386F3935-93C4-4BCD-93E2-E3B085C9AB24}">
-                <p16:designElem xmlns:p16="http://schemas.microsoft.com/office/powerpoint/2015/main" val="1"/>
-              </p:ext>
-            </p:extLst>
-          </p:nvPr>
-        </p:nvSpPr>
-        <p:spPr>
-          <a:xfrm>
-            <a:off x="0" y="0"/>
-            <a:ext cx="12188952" cy="6858000"/>
-          </a:xfrm>
-          <a:prstGeom prst="rect">
-            <a:avLst/>
-          </a:prstGeom>
-          <a:ln>
-            <a:noFill/>
-          </a:ln>
-        </p:spPr>
-        <p:style>
-          <a:lnRef idx="2">
-            <a:schemeClr val="accent1">
-              <a:shade val="50000"/>
-            </a:schemeClr>
-          </a:lnRef>
-          <a:fillRef idx="1">
-            <a:schemeClr val="accent1"/>
-          </a:fillRef>
-          <a:effectRef idx="0">
-            <a:schemeClr val="accent1"/>
-          </a:effectRef>
-          <a:fontRef idx="minor">
-            <a:schemeClr val="lt1"/>
-          </a:fontRef>
-        </p:style>
-        <p:txBody>
-          <a:bodyPr rtlCol="0" anchor="ctr"/>
-          <a:lstStyle>
-            <a:defPPr>
-              <a:defRPr lang="en-US"/>
-            </a:defPPr>
-            <a:lvl1pPr marL="0" algn="l" defTabSz="914400" rtl="0" eaLnBrk="1" latinLnBrk="0" hangingPunct="1">
-              <a:defRPr sz="1800" kern="1200">
-                <a:solidFill>
-                  <a:schemeClr val="lt1"/>
-                </a:solidFill>
-                <a:latin typeface="+mn-lt"/>
-                <a:ea typeface="+mn-ea"/>
-                <a:cs typeface="+mn-cs"/>
-              </a:defRPr>
-            </a:lvl1pPr>
-            <a:lvl2pPr marL="457200" algn="l" defTabSz="914400" rtl="0" eaLnBrk="1" latinLnBrk="0" hangingPunct="1">
-              <a:defRPr sz="1800" kern="1200">
-                <a:solidFill>
-                  <a:schemeClr val="lt1"/>
-                </a:solidFill>
-                <a:latin typeface="+mn-lt"/>
-                <a:ea typeface="+mn-ea"/>
-                <a:cs typeface="+mn-cs"/>
-              </a:defRPr>
-            </a:lvl2pPr>
-            <a:lvl3pPr marL="914400" algn="l" defTabSz="914400" rtl="0" eaLnBrk="1" latinLnBrk="0" hangingPunct="1">
-              <a:defRPr sz="1800" kern="1200">
-                <a:solidFill>
-                  <a:schemeClr val="lt1"/>
-                </a:solidFill>
-                <a:latin typeface="+mn-lt"/>
-                <a:ea typeface="+mn-ea"/>
-                <a:cs typeface="+mn-cs"/>
-              </a:defRPr>
-            </a:lvl3pPr>
-            <a:lvl4pPr marL="1371600" algn="l" defTabSz="914400" rtl="0" eaLnBrk="1" latinLnBrk="0" hangingPunct="1">
-              <a:defRPr sz="1800" kern="1200">
-                <a:solidFill>
-                  <a:schemeClr val="lt1"/>
-                </a:solidFill>
-                <a:latin typeface="+mn-lt"/>
-                <a:ea typeface="+mn-ea"/>
-                <a:cs typeface="+mn-cs"/>
-              </a:defRPr>
-            </a:lvl4pPr>
-            <a:lvl5pPr marL="1828800" algn="l" defTabSz="914400" rtl="0" eaLnBrk="1" latinLnBrk="0" hangingPunct="1">
-              <a:defRPr sz="1800" kern="1200">
-                <a:solidFill>
-                  <a:schemeClr val="lt1"/>
-                </a:solidFill>
-                <a:latin typeface="+mn-lt"/>
-                <a:ea typeface="+mn-ea"/>
-                <a:cs typeface="+mn-cs"/>
-              </a:defRPr>
-            </a:lvl5pPr>
-            <a:lvl6pPr marL="2286000" algn="l" defTabSz="914400" rtl="0" eaLnBrk="1" latinLnBrk="0" hangingPunct="1">
-              <a:defRPr sz="1800" kern="1200">
-                <a:solidFill>
-                  <a:schemeClr val="lt1"/>
-                </a:solidFill>
-                <a:latin typeface="+mn-lt"/>
-                <a:ea typeface="+mn-ea"/>
-                <a:cs typeface="+mn-cs"/>
-              </a:defRPr>
-            </a:lvl6pPr>
-            <a:lvl7pPr marL="2743200" algn="l" defTabSz="914400" rtl="0" eaLnBrk="1" latinLnBrk="0" hangingPunct="1">
-              <a:defRPr sz="1800" kern="1200">
-                <a:solidFill>
-                  <a:schemeClr val="lt1"/>
-                </a:solidFill>
-                <a:latin typeface="+mn-lt"/>
-                <a:ea typeface="+mn-ea"/>
-                <a:cs typeface="+mn-cs"/>
-              </a:defRPr>
-            </a:lvl7pPr>
-            <a:lvl8pPr marL="3200400" algn="l" defTabSz="914400" rtl="0" eaLnBrk="1" latinLnBrk="0" hangingPunct="1">
-              <a:defRPr sz="1800" kern="1200">
-                <a:solidFill>
-                  <a:schemeClr val="lt1"/>
-                </a:solidFill>
-                <a:latin typeface="+mn-lt"/>
-                <a:ea typeface="+mn-ea"/>
-                <a:cs typeface="+mn-cs"/>
-              </a:defRPr>
-            </a:lvl8pPr>
-            <a:lvl9pPr marL="3657600" algn="l" defTabSz="914400" rtl="0" eaLnBrk="1" latinLnBrk="0" hangingPunct="1">
-              <a:defRPr sz="1800" kern="1200">
-                <a:solidFill>
-                  <a:schemeClr val="lt1"/>
-                </a:solidFill>
-                <a:latin typeface="+mn-lt"/>
-                <a:ea typeface="+mn-ea"/>
-                <a:cs typeface="+mn-cs"/>
-              </a:defRPr>
-            </a:lvl9pPr>
-          </a:lstStyle>
-          <a:p>
-            <a:pPr algn="ctr"/>
-            <a:endParaRPr lang="en-US"/>
-          </a:p>
-        </p:txBody>
-      </p:sp>
-      <p:sp>
-        <p:nvSpPr>
-          <p:cNvPr id="54" name="Rectangle 42">
-            <a:extLst>
-              <a:ext uri="{FF2B5EF4-FFF2-40B4-BE49-F238E27FC236}">
-                <a16:creationId xmlns:a16="http://schemas.microsoft.com/office/drawing/2014/main" id="{4035E80E-74A5-4C84-AFA7-81D390E2386C}"/>
-              </a:ext>
-              <a:ext uri="{C183D7F6-B498-43B3-948B-1728B52AA6E4}">
-                <adec:decorative xmlns:adec="http://schemas.microsoft.com/office/drawing/2017/decorative" xmlns="" val="1"/>
-              </a:ext>
-            </a:extLst>
-          </p:cNvPr>
-          <p:cNvSpPr>
-            <a:spLocks noGrp="1" noRot="1" noChangeAspect="1" noMove="1" noResize="1" noEditPoints="1" noAdjustHandles="1" noChangeArrowheads="1" noChangeShapeType="1" noTextEdit="1"/>
-          </p:cNvSpPr>
-          <p:nvPr>
-            <p:extLst>
-              <p:ext uri="{386F3935-93C4-4BCD-93E2-E3B085C9AB24}">
-                <p16:designElem xmlns:p16="http://schemas.microsoft.com/office/powerpoint/2015/main" val="1"/>
-              </p:ext>
-            </p:extLst>
-          </p:nvPr>
-        </p:nvSpPr>
-        <p:spPr>
-          <a:xfrm>
-            <a:off x="3048" y="0"/>
-            <a:ext cx="12188952" cy="6858000"/>
-          </a:xfrm>
-          <a:prstGeom prst="rect">
-            <a:avLst/>
-          </a:prstGeom>
-          <a:solidFill>
-            <a:schemeClr val="bg2">
-              <a:alpha val="35000"/>
-            </a:schemeClr>
-          </a:solidFill>
-          <a:ln>
-            <a:noFill/>
-          </a:ln>
-        </p:spPr>
-        <p:style>
-          <a:lnRef idx="2">
-            <a:schemeClr val="accent1">
-              <a:shade val="50000"/>
-            </a:schemeClr>
-          </a:lnRef>
-          <a:fillRef idx="1">
-            <a:schemeClr val="accent1"/>
-          </a:fillRef>
-          <a:effectRef idx="0">
-            <a:schemeClr val="accent1"/>
-          </a:effectRef>
-          <a:fontRef idx="minor">
-            <a:schemeClr val="lt1"/>
-          </a:fontRef>
-        </p:style>
-        <p:txBody>
-          <a:bodyPr rtlCol="0" anchor="ctr"/>
-          <a:lstStyle>
-            <a:defPPr>
-              <a:defRPr lang="en-US"/>
-            </a:defPPr>
-            <a:lvl1pPr marL="0" algn="l" defTabSz="914400" rtl="0" eaLnBrk="1" latinLnBrk="0" hangingPunct="1">
-              <a:defRPr sz="1800" kern="1200">
-                <a:solidFill>
-                  <a:schemeClr val="lt1"/>
-                </a:solidFill>
-                <a:latin typeface="+mn-lt"/>
-                <a:ea typeface="+mn-ea"/>
-                <a:cs typeface="+mn-cs"/>
-              </a:defRPr>
-            </a:lvl1pPr>
-            <a:lvl2pPr marL="457200" algn="l" defTabSz="914400" rtl="0" eaLnBrk="1" latinLnBrk="0" hangingPunct="1">
-              <a:defRPr sz="1800" kern="1200">
-                <a:solidFill>
-                  <a:schemeClr val="lt1"/>
-                </a:solidFill>
-                <a:latin typeface="+mn-lt"/>
-                <a:ea typeface="+mn-ea"/>
-                <a:cs typeface="+mn-cs"/>
-              </a:defRPr>
-            </a:lvl2pPr>
-            <a:lvl3pPr marL="914400" algn="l" defTabSz="914400" rtl="0" eaLnBrk="1" latinLnBrk="0" hangingPunct="1">
-              <a:defRPr sz="1800" kern="1200">
-                <a:solidFill>
-                  <a:schemeClr val="lt1"/>
-                </a:solidFill>
-                <a:latin typeface="+mn-lt"/>
-                <a:ea typeface="+mn-ea"/>
-                <a:cs typeface="+mn-cs"/>
-              </a:defRPr>
-            </a:lvl3pPr>
-            <a:lvl4pPr marL="1371600" algn="l" defTabSz="914400" rtl="0" eaLnBrk="1" latinLnBrk="0" hangingPunct="1">
-              <a:defRPr sz="1800" kern="1200">
-                <a:solidFill>
-                  <a:schemeClr val="lt1"/>
-                </a:solidFill>
-                <a:latin typeface="+mn-lt"/>
-                <a:ea typeface="+mn-ea"/>
-                <a:cs typeface="+mn-cs"/>
-              </a:defRPr>
-            </a:lvl4pPr>
-            <a:lvl5pPr marL="1828800" algn="l" defTabSz="914400" rtl="0" eaLnBrk="1" latinLnBrk="0" hangingPunct="1">
-              <a:defRPr sz="1800" kern="1200">
-                <a:solidFill>
-                  <a:schemeClr val="lt1"/>
-                </a:solidFill>
-                <a:latin typeface="+mn-lt"/>
-                <a:ea typeface="+mn-ea"/>
-                <a:cs typeface="+mn-cs"/>
-              </a:defRPr>
-            </a:lvl5pPr>
-            <a:lvl6pPr marL="2286000" algn="l" defTabSz="914400" rtl="0" eaLnBrk="1" latinLnBrk="0" hangingPunct="1">
-              <a:defRPr sz="1800" kern="1200">
-                <a:solidFill>
-                  <a:schemeClr val="lt1"/>
-                </a:solidFill>
-                <a:latin typeface="+mn-lt"/>
-                <a:ea typeface="+mn-ea"/>
-                <a:cs typeface="+mn-cs"/>
-              </a:defRPr>
-            </a:lvl6pPr>
-            <a:lvl7pPr marL="2743200" algn="l" defTabSz="914400" rtl="0" eaLnBrk="1" latinLnBrk="0" hangingPunct="1">
-              <a:defRPr sz="1800" kern="1200">
-                <a:solidFill>
-                  <a:schemeClr val="lt1"/>
-                </a:solidFill>
-                <a:latin typeface="+mn-lt"/>
-                <a:ea typeface="+mn-ea"/>
-                <a:cs typeface="+mn-cs"/>
-              </a:defRPr>
-            </a:lvl7pPr>
-            <a:lvl8pPr marL="3200400" algn="l" defTabSz="914400" rtl="0" eaLnBrk="1" latinLnBrk="0" hangingPunct="1">
-              <a:defRPr sz="1800" kern="1200">
-                <a:solidFill>
-                  <a:schemeClr val="lt1"/>
-                </a:solidFill>
-                <a:latin typeface="+mn-lt"/>
-                <a:ea typeface="+mn-ea"/>
-                <a:cs typeface="+mn-cs"/>
-              </a:defRPr>
-            </a:lvl8pPr>
-            <a:lvl9pPr marL="3657600" algn="l" defTabSz="914400" rtl="0" eaLnBrk="1" latinLnBrk="0" hangingPunct="1">
-              <a:defRPr sz="1800" kern="1200">
-                <a:solidFill>
-                  <a:schemeClr val="lt1"/>
-                </a:solidFill>
-                <a:latin typeface="+mn-lt"/>
-                <a:ea typeface="+mn-ea"/>
-                <a:cs typeface="+mn-cs"/>
-              </a:defRPr>
-            </a:lvl9pPr>
-          </a:lstStyle>
-          <a:p>
-            <a:pPr algn="ctr"/>
-            <a:endParaRPr lang="en-US"/>
-          </a:p>
-        </p:txBody>
-      </p:sp>
-      <p:sp>
-        <p:nvSpPr>
-          <p:cNvPr id="55" name="Rectangle 44">
-            <a:extLst>
-              <a:ext uri="{FF2B5EF4-FFF2-40B4-BE49-F238E27FC236}">
-                <a16:creationId xmlns:a16="http://schemas.microsoft.com/office/drawing/2014/main" id="{35D57E6A-AE34-46FE-BD4C-404A24619926}"/>
-              </a:ext>
-              <a:ext uri="{C183D7F6-B498-43B3-948B-1728B52AA6E4}">
-                <adec:decorative xmlns:adec="http://schemas.microsoft.com/office/drawing/2017/decorative" xmlns="" val="1"/>
-              </a:ext>
-            </a:extLst>
-          </p:cNvPr>
-          <p:cNvSpPr>
-            <a:spLocks noGrp="1" noRot="1" noChangeAspect="1" noMove="1" noResize="1" noEditPoints="1" noAdjustHandles="1" noChangeArrowheads="1" noChangeShapeType="1" noTextEdit="1"/>
-          </p:cNvSpPr>
-          <p:nvPr>
-            <p:extLst>
-              <p:ext uri="{386F3935-93C4-4BCD-93E2-E3B085C9AB24}">
-                <p16:designElem xmlns:p16="http://schemas.microsoft.com/office/powerpoint/2015/main" val="1"/>
-              </p:ext>
-            </p:extLst>
-          </p:nvPr>
-        </p:nvSpPr>
-        <p:spPr>
-          <a:xfrm>
-            <a:off x="1446276" y="685800"/>
-            <a:ext cx="10744200" cy="5486400"/>
-          </a:xfrm>
-          <a:prstGeom prst="rect">
-            <a:avLst/>
-          </a:prstGeom>
-          <a:solidFill>
-            <a:schemeClr val="bg1"/>
-          </a:solidFill>
-          <a:ln>
-            <a:noFill/>
-          </a:ln>
-        </p:spPr>
-        <p:style>
-          <a:lnRef idx="2">
-            <a:schemeClr val="accent1">
-              <a:shade val="50000"/>
-            </a:schemeClr>
-          </a:lnRef>
-          <a:fillRef idx="1">
-            <a:schemeClr val="accent1"/>
-          </a:fillRef>
-          <a:effectRef idx="0">
-            <a:schemeClr val="accent1"/>
-          </a:effectRef>
-          <a:fontRef idx="minor">
-            <a:schemeClr val="lt1"/>
-          </a:fontRef>
-        </p:style>
-        <p:txBody>
-          <a:bodyPr rtlCol="0" anchor="ctr"/>
+      <p:sp>
+        <p:nvSpPr>
+          <p:cNvPr id="2" name="Title 1"/>
+          <p:cNvSpPr>
+            <a:spLocks noGrp="1"/>
+          </p:cNvSpPr>
+          <p:nvPr>
+            <p:ph type="title"/>
+          </p:nvPr>
+        </p:nvSpPr>
+        <p:spPr/>
+        <p:txBody>
+          <a:bodyPr/>
           <a:lstStyle/>
           <a:p>
-            <a:pPr algn="ctr"/>
-            <a:endParaRPr lang="en-US"/>
-          </a:p>
-        </p:txBody>
-      </p:sp>
-      <p:sp>
-        <p:nvSpPr>
-          <p:cNvPr id="2" name="Title 1">
-            <a:extLst>
-              <a:ext uri="{FF2B5EF4-FFF2-40B4-BE49-F238E27FC236}">
-                <a16:creationId xmlns:a16="http://schemas.microsoft.com/office/drawing/2014/main" id="{9F9618EF-F111-4DAB-9AC0-BA602D858828}"/>
-              </a:ext>
-            </a:extLst>
-          </p:cNvPr>
-          <p:cNvSpPr>
-            <a:spLocks noGrp="1"/>
-          </p:cNvSpPr>
-          <p:nvPr>
-            <p:ph type="ctrTitle"/>
-          </p:nvPr>
-        </p:nvSpPr>
-        <p:spPr>
-          <a:xfrm>
-            <a:off x="422899" y="576263"/>
-            <a:ext cx="4114046" cy="1042987"/>
-          </a:xfrm>
-        </p:spPr>
-        <p:txBody>
-          <a:bodyPr anchor="b">
-            <a:normAutofit/>
-          </a:bodyPr>
-          <a:lstStyle/>
-          <a:p>
-            <a:pPr algn="l"/>
-            <a:r>
-              <a:rPr lang="en-GB" sz="4800" dirty="0"/>
+            <a:r>
+              <a:rPr lang="pl-PL" dirty="0" smtClean="0"/>
               <a:t>Battle Bus</a:t>
             </a:r>
-          </a:p>
-        </p:txBody>
-      </p:sp>
-      <p:sp>
-        <p:nvSpPr>
-          <p:cNvPr id="3" name="Subtitle 2">
-            <a:extLst>
-              <a:ext uri="{FF2B5EF4-FFF2-40B4-BE49-F238E27FC236}">
-                <a16:creationId xmlns:a16="http://schemas.microsoft.com/office/drawing/2014/main" id="{947733D6-6740-4E6A-8BEC-DD8FBF73CCC2}"/>
-              </a:ext>
-            </a:extLst>
-          </p:cNvPr>
-          <p:cNvSpPr>
-            <a:spLocks noGrp="1"/>
-          </p:cNvSpPr>
-          <p:nvPr>
-            <p:ph type="subTitle" idx="1"/>
-          </p:nvPr>
-        </p:nvSpPr>
-        <p:spPr>
-          <a:xfrm>
-            <a:off x="422899" y="1728787"/>
-            <a:ext cx="4114046" cy="4228871"/>
-          </a:xfrm>
-        </p:spPr>
-        <p:txBody>
-          <a:bodyPr>
-            <a:normAutofit/>
-          </a:bodyPr>
-          <a:lstStyle/>
-          <a:p>
-            <a:pPr algn="l"/>
-            <a:r>
-              <a:rPr lang="en-GB" dirty="0"/>
-              <a:t>Play to win discounts on your travel</a:t>
-            </a:r>
-          </a:p>
-          <a:p>
-            <a:pPr algn="l"/>
-            <a:endParaRPr lang="en-GB" dirty="0"/>
-          </a:p>
-          <a:p>
-            <a:pPr algn="l"/>
-            <a:endParaRPr lang="en-GB" dirty="0"/>
-          </a:p>
-          <a:p>
-            <a:pPr marL="285750" indent="-285750" algn="l">
-              <a:buFont typeface="Arial" panose="020B0604020202020204" pitchFamily="34" charset="0"/>
-              <a:buChar char="•"/>
-            </a:pPr>
-            <a:r>
-              <a:rPr lang="en-GB" sz="1800" dirty="0"/>
-              <a:t>Hugh Ashby-Hayter</a:t>
-            </a:r>
-          </a:p>
-          <a:p>
-            <a:pPr marL="285750" indent="-285750" algn="l">
-              <a:buFont typeface="Arial" panose="020B0604020202020204" pitchFamily="34" charset="0"/>
-              <a:buChar char="•"/>
-            </a:pPr>
-            <a:r>
-              <a:rPr lang="en-GB" sz="1800"/>
-              <a:t>Wojciech Nowak</a:t>
-            </a:r>
-            <a:endParaRPr lang="en-GB" sz="1800" dirty="0"/>
-          </a:p>
-          <a:p>
-            <a:pPr marL="285750" indent="-285750" algn="l">
-              <a:buFont typeface="Arial" panose="020B0604020202020204" pitchFamily="34" charset="0"/>
-              <a:buChar char="•"/>
-            </a:pPr>
-            <a:r>
-              <a:rPr lang="en-GB" sz="1800" dirty="0"/>
-              <a:t>Sarah Leach</a:t>
-            </a:r>
-          </a:p>
-          <a:p>
-            <a:pPr algn="l"/>
-            <a:endParaRPr lang="en-GB" dirty="0"/>
+            <a:endParaRPr lang="pl-PL" dirty="0"/>
           </a:p>
         </p:txBody>
       </p:sp>
       <p:pic>
         <p:nvPicPr>
-          <p:cNvPr id="5" name="Picture 4" descr="A blue toy bus&#10;&#10;Description automatically generated with medium confidence">
+          <p:cNvPr id="4" name="Content Placeholder 3" descr="A blue toy bus&#10;&#10;Description automatically generated with medium confidence">
             <a:extLst>
               <a:ext uri="{FF2B5EF4-FFF2-40B4-BE49-F238E27FC236}">
                 <a16:creationId xmlns:a16="http://schemas.microsoft.com/office/drawing/2014/main" id="{8585130F-78A2-4A88-ADA8-FD6933503513}"/>
@@ -4347,9 +3873,11 @@
             </a:extLst>
           </p:cNvPr>
           <p:cNvPicPr>
-            <a:picLocks noChangeAspect="1"/>
+            <a:picLocks noGrp="1" noChangeAspect="1"/>
           </p:cNvPicPr>
-          <p:nvPr/>
+          <p:nvPr>
+            <p:ph idx="1"/>
+          </p:nvPr>
         </p:nvPicPr>
         <p:blipFill rotWithShape="1">
           <a:blip r:embed="rId2">
@@ -4364,8 +3892,8 @@
         </p:blipFill>
         <p:spPr>
           <a:xfrm>
-            <a:off x="5699740" y="680190"/>
-            <a:ext cx="5426835" cy="5486400"/>
+            <a:off x="6088306" y="1108454"/>
+            <a:ext cx="5110482" cy="5166504"/>
           </a:xfrm>
           <a:prstGeom prst="rect">
             <a:avLst/>
@@ -4374,209 +3902,104 @@
       </p:pic>
       <p:sp>
         <p:nvSpPr>
-          <p:cNvPr id="56" name="Rectangle 46">
-            <a:extLst>
-              <a:ext uri="{FF2B5EF4-FFF2-40B4-BE49-F238E27FC236}">
-                <a16:creationId xmlns:a16="http://schemas.microsoft.com/office/drawing/2014/main" id="{C46D1DC4-2D1F-447F-BBC7-DA989F74CC75}"/>
-              </a:ext>
-              <a:ext uri="{C183D7F6-B498-43B3-948B-1728B52AA6E4}">
-                <adec:decorative xmlns:adec="http://schemas.microsoft.com/office/drawing/2017/decorative" xmlns="" val="1"/>
-              </a:ext>
-            </a:extLst>
-          </p:cNvPr>
-          <p:cNvSpPr>
-            <a:spLocks noGrp="1" noRot="1" noChangeAspect="1" noMove="1" noResize="1" noEditPoints="1" noAdjustHandles="1" noChangeArrowheads="1" noChangeShapeType="1" noTextEdit="1"/>
-          </p:cNvSpPr>
-          <p:nvPr>
-            <p:extLst>
-              <p:ext uri="{386F3935-93C4-4BCD-93E2-E3B085C9AB24}">
-                <p16:designElem xmlns:p16="http://schemas.microsoft.com/office/powerpoint/2015/main" val="1"/>
-              </p:ext>
-            </p:extLst>
-          </p:nvPr>
+          <p:cNvPr id="5" name="Rectangle 4"/>
+          <p:cNvSpPr/>
+          <p:nvPr/>
         </p:nvSpPr>
         <p:spPr>
-          <a:xfrm rot="10800000">
-            <a:off x="11129623" y="685801"/>
-            <a:ext cx="367840" cy="5486400"/>
+          <a:xfrm>
+            <a:off x="420624" y="1506022"/>
+            <a:ext cx="3801041" cy="369332"/>
           </a:xfrm>
           <a:prstGeom prst="rect">
             <a:avLst/>
           </a:prstGeom>
-          <a:solidFill>
-            <a:srgbClr val="00C0F8">
-              <a:alpha val="25000"/>
-            </a:srgbClr>
-          </a:solidFill>
-          <a:ln w="25400" cap="flat">
-            <a:noFill/>
-            <a:prstDash val="solid"/>
-            <a:round/>
-          </a:ln>
-          <a:effectLst/>
-          <a:sp3d/>
         </p:spPr>
-        <p:style>
-          <a:lnRef idx="0">
-            <a:scrgbClr r="0" g="0" b="0"/>
-          </a:lnRef>
-          <a:fillRef idx="0">
-            <a:scrgbClr r="0" g="0" b="0"/>
-          </a:fillRef>
-          <a:effectRef idx="0">
-            <a:scrgbClr r="0" g="0" b="0"/>
-          </a:effectRef>
-          <a:fontRef idx="none"/>
-        </p:style>
-        <p:txBody>
-          <a:bodyPr rot="0" spcFirstLastPara="1" vertOverflow="overflow" horzOverflow="overflow" vert="horz" wrap="square" lIns="0" tIns="0" rIns="0" bIns="0" numCol="1" spcCol="38100" rtlCol="0" anchor="ctr">
+        <p:txBody>
+          <a:bodyPr wrap="none">
             <a:spAutoFit/>
           </a:bodyPr>
           <a:lstStyle/>
           <a:p>
-            <a:pPr marL="0" marR="0" indent="0" algn="ctr" defTabSz="825500" rtl="0" fontAlgn="auto" latinLnBrk="0" hangingPunct="0">
-              <a:lnSpc>
-                <a:spcPct val="100000"/>
-              </a:lnSpc>
-              <a:spcBef>
-                <a:spcPts val="0"/>
-              </a:spcBef>
-              <a:spcAft>
-                <a:spcPts val="0"/>
-              </a:spcAft>
-              <a:buClrTx/>
-              <a:buSzTx/>
-              <a:buFontTx/>
-              <a:buNone/>
-              <a:tabLst/>
-            </a:pPr>
-            <a:endParaRPr kumimoji="0" lang="en-US" sz="3000" b="0" i="0" u="none" strike="noStrike" cap="none" spc="0" normalizeH="0" baseline="0">
-              <a:ln>
-                <a:noFill/>
-              </a:ln>
-              <a:solidFill>
-                <a:srgbClr val="000000"/>
-              </a:solidFill>
-              <a:effectLst/>
-              <a:uFillTx/>
-              <a:latin typeface="Helvetica Neue Medium"/>
-              <a:ea typeface="Helvetica Neue Medium"/>
-              <a:cs typeface="Helvetica Neue Medium"/>
-              <a:sym typeface="Helvetica Neue Medium"/>
-            </a:endParaRPr>
-          </a:p>
-        </p:txBody>
-      </p:sp>
-      <p:cxnSp>
-        <p:nvCxnSpPr>
-          <p:cNvPr id="57" name="Straight Connector 48">
-            <a:extLst>
-              <a:ext uri="{FF2B5EF4-FFF2-40B4-BE49-F238E27FC236}">
-                <a16:creationId xmlns:a16="http://schemas.microsoft.com/office/drawing/2014/main" id="{890EFF27-7223-4E61-A745-1BF48F1FBA14}"/>
-              </a:ext>
-              <a:ext uri="{C183D7F6-B498-43B3-948B-1728B52AA6E4}">
-                <adec:decorative xmlns:adec="http://schemas.microsoft.com/office/drawing/2017/decorative" xmlns="" val="1"/>
-              </a:ext>
-            </a:extLst>
-          </p:cNvPr>
-          <p:cNvCxnSpPr>
-            <a:cxnSpLocks noGrp="1" noRot="1" noChangeAspect="1" noMove="1" noResize="1" noEditPoints="1" noAdjustHandles="1" noChangeArrowheads="1" noChangeShapeType="1"/>
-          </p:cNvCxnSpPr>
-          <p:nvPr>
-            <p:extLst>
-              <p:ext uri="{386F3935-93C4-4BCD-93E2-E3B085C9AB24}">
-                <p16:designElem xmlns:p16="http://schemas.microsoft.com/office/powerpoint/2015/main" val="1"/>
-              </p:ext>
-            </p:extLst>
-          </p:nvPr>
-        </p:nvCxnSpPr>
+            <a:r>
+              <a:rPr lang="en-GB" dirty="0"/>
+              <a:t>Play to win discounts on your travel</a:t>
+            </a:r>
+            <a:endParaRPr lang="en-GB" dirty="0"/>
+          </a:p>
+        </p:txBody>
+      </p:sp>
+      <p:sp>
+        <p:nvSpPr>
+          <p:cNvPr id="6" name="TextBox 5"/>
+          <p:cNvSpPr txBox="1"/>
+          <p:nvPr/>
+        </p:nvSpPr>
         <p:spPr>
-          <a:xfrm flipV="1">
-            <a:off x="11496184" y="5610"/>
-            <a:ext cx="0" cy="6858000"/>
+          <a:xfrm>
+            <a:off x="499001" y="3016251"/>
+            <a:ext cx="3916245" cy="1569660"/>
           </a:xfrm>
-          <a:prstGeom prst="line">
+          <a:prstGeom prst="rect">
             <a:avLst/>
           </a:prstGeom>
-          <a:ln w="9525" cap="rnd">
-            <a:solidFill>
-              <a:srgbClr val="00C0F8"/>
-            </a:solidFill>
-            <a:prstDash val="dash"/>
-          </a:ln>
+          <a:noFill/>
         </p:spPr>
-        <p:style>
-          <a:lnRef idx="1">
-            <a:schemeClr val="accent1"/>
-          </a:lnRef>
-          <a:fillRef idx="0">
-            <a:schemeClr val="accent1"/>
-          </a:fillRef>
-          <a:effectRef idx="0">
-            <a:schemeClr val="accent1"/>
-          </a:effectRef>
-          <a:fontRef idx="minor">
-            <a:schemeClr val="tx1"/>
-          </a:fontRef>
-        </p:style>
-      </p:cxnSp>
-      <p:cxnSp>
-        <p:nvCxnSpPr>
-          <p:cNvPr id="58" name="Straight Connector 50">
-            <a:extLst>
-              <a:ext uri="{FF2B5EF4-FFF2-40B4-BE49-F238E27FC236}">
-                <a16:creationId xmlns:a16="http://schemas.microsoft.com/office/drawing/2014/main" id="{7A2D9D10-14FB-49FA-9A1A-8E9D1D31C0F4}"/>
-              </a:ext>
-              <a:ext uri="{C183D7F6-B498-43B3-948B-1728B52AA6E4}">
-                <adec:decorative xmlns:adec="http://schemas.microsoft.com/office/drawing/2017/decorative" xmlns="" val="1"/>
-              </a:ext>
-            </a:extLst>
-          </p:cNvPr>
-          <p:cNvCxnSpPr>
-            <a:cxnSpLocks noGrp="1" noRot="1" noChangeAspect="1" noMove="1" noResize="1" noEditPoints="1" noAdjustHandles="1" noChangeArrowheads="1" noChangeShapeType="1"/>
-          </p:cNvCxnSpPr>
-          <p:nvPr>
-            <p:extLst>
-              <p:ext uri="{386F3935-93C4-4BCD-93E2-E3B085C9AB24}">
-                <p16:designElem xmlns:p16="http://schemas.microsoft.com/office/powerpoint/2015/main" val="1"/>
-              </p:ext>
-            </p:extLst>
-          </p:nvPr>
-        </p:nvCxnSpPr>
-        <p:spPr>
-          <a:xfrm>
-            <a:off x="1524" y="6172200"/>
-            <a:ext cx="12192000" cy="0"/>
-          </a:xfrm>
-          <a:prstGeom prst="line">
-            <a:avLst/>
-          </a:prstGeom>
-          <a:ln w="9525" cap="rnd">
-            <a:solidFill>
-              <a:srgbClr val="00C0F8"/>
-            </a:solidFill>
-            <a:prstDash val="dash"/>
-          </a:ln>
-        </p:spPr>
-        <p:style>
-          <a:lnRef idx="1">
-            <a:schemeClr val="accent1"/>
-          </a:lnRef>
-          <a:fillRef idx="0">
-            <a:schemeClr val="accent1"/>
-          </a:fillRef>
-          <a:effectRef idx="0">
-            <a:schemeClr val="accent1"/>
-          </a:effectRef>
-          <a:fontRef idx="minor">
-            <a:schemeClr val="tx1"/>
-          </a:fontRef>
-        </p:style>
-      </p:cxnSp>
+        <p:txBody>
+          <a:bodyPr wrap="square" rtlCol="0">
+            <a:spAutoFit/>
+          </a:bodyPr>
+          <a:lstStyle/>
+          <a:p>
+            <a:pPr marL="285750" indent="-285750">
+              <a:buFont typeface="Arial" panose="020B0604020202020204" pitchFamily="34" charset="0"/>
+              <a:buChar char="•"/>
+            </a:pPr>
+            <a:r>
+              <a:rPr lang="en-GB" sz="2400" dirty="0"/>
+              <a:t>Hugh Ashby-</a:t>
+            </a:r>
+            <a:r>
+              <a:rPr lang="en-GB" sz="2400" dirty="0" err="1"/>
+              <a:t>Hayter</a:t>
+            </a:r>
+            <a:endParaRPr lang="en-GB" sz="2400" dirty="0"/>
+          </a:p>
+          <a:p>
+            <a:pPr marL="285750" indent="-285750">
+              <a:buFont typeface="Arial" panose="020B0604020202020204" pitchFamily="34" charset="0"/>
+              <a:buChar char="•"/>
+            </a:pPr>
+            <a:r>
+              <a:rPr lang="en-GB" sz="2400" dirty="0" smtClean="0"/>
+              <a:t>Sarah Leach</a:t>
+            </a:r>
+            <a:endParaRPr lang="pl-PL" sz="2400" dirty="0" smtClean="0"/>
+          </a:p>
+          <a:p>
+            <a:pPr marL="285750" indent="-285750">
+              <a:buFont typeface="Arial" panose="020B0604020202020204" pitchFamily="34" charset="0"/>
+              <a:buChar char="•"/>
+            </a:pPr>
+            <a:r>
+              <a:rPr lang="en-GB" sz="2400" dirty="0"/>
+              <a:t>Wojciech </a:t>
+            </a:r>
+            <a:r>
+              <a:rPr lang="en-GB" sz="2400" dirty="0" smtClean="0"/>
+              <a:t>Nowak</a:t>
+            </a:r>
+            <a:endParaRPr lang="en-GB" sz="2400" dirty="0"/>
+          </a:p>
+          <a:p>
+            <a:endParaRPr lang="pl-PL" sz="2400" dirty="0"/>
+          </a:p>
+        </p:txBody>
+      </p:sp>
     </p:spTree>
     <p:extLst>
       <p:ext uri="{BB962C8B-B14F-4D97-AF65-F5344CB8AC3E}">
-        <p14:creationId xmlns:p14="http://schemas.microsoft.com/office/powerpoint/2010/main" val="1767237941"/>
+        <p14:creationId xmlns:p14="http://schemas.microsoft.com/office/powerpoint/2010/main" val="387691471"/>
       </p:ext>
     </p:extLst>
   </p:cSld>
@@ -4586,333 +4009,9 @@
   <p:timing>
     <p:tnLst>
       <p:par>
-        <p:cTn id="1" dur="indefinite" restart="never" nodeType="tmRoot">
-          <p:childTnLst>
-            <p:seq concurrent="1" nextAc="seek">
-              <p:cTn id="2" dur="indefinite" nodeType="mainSeq">
-                <p:childTnLst>
-                  <p:par>
-                    <p:cTn id="3" fill="hold">
-                      <p:stCondLst>
-                        <p:cond delay="indefinite"/>
-                        <p:cond evt="onBegin" delay="0">
-                          <p:tn val="2"/>
-                        </p:cond>
-                      </p:stCondLst>
-                      <p:childTnLst>
-                        <p:par>
-                          <p:cTn id="4" fill="hold">
-                            <p:stCondLst>
-                              <p:cond delay="0"/>
-                            </p:stCondLst>
-                            <p:childTnLst>
-                              <p:par>
-                                <p:cTn id="5" presetID="10" presetClass="entr" presetSubtype="0" fill="hold" grpId="0" nodeType="withEffect">
-                                  <p:stCondLst>
-                                    <p:cond delay="2000"/>
-                                  </p:stCondLst>
-                                  <p:iterate type="lt">
-                                    <p:tmPct val="10000"/>
-                                  </p:iterate>
-                                  <p:childTnLst>
-                                    <p:set>
-                                      <p:cBhvr>
-                                        <p:cTn id="6" dur="1" fill="hold">
-                                          <p:stCondLst>
-                                            <p:cond delay="0"/>
-                                          </p:stCondLst>
-                                        </p:cTn>
-                                        <p:tgtEl>
-                                          <p:spTgt spid="3">
-                                            <p:txEl>
-                                              <p:pRg st="0" end="0"/>
-                                            </p:txEl>
-                                          </p:spTgt>
-                                        </p:tgtEl>
-                                        <p:attrNameLst>
-                                          <p:attrName>style.visibility</p:attrName>
-                                        </p:attrNameLst>
-                                      </p:cBhvr>
-                                      <p:to>
-                                        <p:strVal val="visible"/>
-                                      </p:to>
-                                    </p:set>
-                                    <p:animEffect transition="in" filter="fade">
-                                      <p:cBhvr>
-                                        <p:cTn id="7" dur="400"/>
-                                        <p:tgtEl>
-                                          <p:spTgt spid="3">
-                                            <p:txEl>
-                                              <p:pRg st="0" end="0"/>
-                                            </p:txEl>
-                                          </p:spTgt>
-                                        </p:tgtEl>
-                                      </p:cBhvr>
-                                    </p:animEffect>
-                                  </p:childTnLst>
-                                </p:cTn>
-                              </p:par>
-                            </p:childTnLst>
-                          </p:cTn>
-                        </p:par>
-                      </p:childTnLst>
-                    </p:cTn>
-                  </p:par>
-                  <p:par>
-                    <p:cTn id="8" fill="hold">
-                      <p:stCondLst>
-                        <p:cond delay="indefinite"/>
-                      </p:stCondLst>
-                      <p:childTnLst>
-                        <p:par>
-                          <p:cTn id="9" fill="hold">
-                            <p:stCondLst>
-                              <p:cond delay="0"/>
-                            </p:stCondLst>
-                            <p:childTnLst>
-                              <p:par>
-                                <p:cTn id="10" presetID="10" presetClass="entr" presetSubtype="0" fill="hold" grpId="0" nodeType="clickEffect">
-                                  <p:stCondLst>
-                                    <p:cond delay="2000"/>
-                                  </p:stCondLst>
-                                  <p:iterate type="lt">
-                                    <p:tmPct val="10000"/>
-                                  </p:iterate>
-                                  <p:childTnLst>
-                                    <p:set>
-                                      <p:cBhvr>
-                                        <p:cTn id="11" dur="1" fill="hold">
-                                          <p:stCondLst>
-                                            <p:cond delay="0"/>
-                                          </p:stCondLst>
-                                        </p:cTn>
-                                        <p:tgtEl>
-                                          <p:spTgt spid="3">
-                                            <p:txEl>
-                                              <p:pRg st="3" end="3"/>
-                                            </p:txEl>
-                                          </p:spTgt>
-                                        </p:tgtEl>
-                                        <p:attrNameLst>
-                                          <p:attrName>style.visibility</p:attrName>
-                                        </p:attrNameLst>
-                                      </p:cBhvr>
-                                      <p:to>
-                                        <p:strVal val="visible"/>
-                                      </p:to>
-                                    </p:set>
-                                    <p:animEffect transition="in" filter="fade">
-                                      <p:cBhvr>
-                                        <p:cTn id="12" dur="400"/>
-                                        <p:tgtEl>
-                                          <p:spTgt spid="3">
-                                            <p:txEl>
-                                              <p:pRg st="3" end="3"/>
-                                            </p:txEl>
-                                          </p:spTgt>
-                                        </p:tgtEl>
-                                      </p:cBhvr>
-                                    </p:animEffect>
-                                  </p:childTnLst>
-                                </p:cTn>
-                              </p:par>
-                            </p:childTnLst>
-                          </p:cTn>
-                        </p:par>
-                      </p:childTnLst>
-                    </p:cTn>
-                  </p:par>
-                  <p:par>
-                    <p:cTn id="13" fill="hold">
-                      <p:stCondLst>
-                        <p:cond delay="indefinite"/>
-                      </p:stCondLst>
-                      <p:childTnLst>
-                        <p:par>
-                          <p:cTn id="14" fill="hold">
-                            <p:stCondLst>
-                              <p:cond delay="0"/>
-                            </p:stCondLst>
-                            <p:childTnLst>
-                              <p:par>
-                                <p:cTn id="15" presetID="10" presetClass="entr" presetSubtype="0" fill="hold" grpId="0" nodeType="clickEffect">
-                                  <p:stCondLst>
-                                    <p:cond delay="2000"/>
-                                  </p:stCondLst>
-                                  <p:iterate type="lt">
-                                    <p:tmPct val="10000"/>
-                                  </p:iterate>
-                                  <p:childTnLst>
-                                    <p:set>
-                                      <p:cBhvr>
-                                        <p:cTn id="16" dur="1" fill="hold">
-                                          <p:stCondLst>
-                                            <p:cond delay="0"/>
-                                          </p:stCondLst>
-                                        </p:cTn>
-                                        <p:tgtEl>
-                                          <p:spTgt spid="3">
-                                            <p:txEl>
-                                              <p:pRg st="4" end="4"/>
-                                            </p:txEl>
-                                          </p:spTgt>
-                                        </p:tgtEl>
-                                        <p:attrNameLst>
-                                          <p:attrName>style.visibility</p:attrName>
-                                        </p:attrNameLst>
-                                      </p:cBhvr>
-                                      <p:to>
-                                        <p:strVal val="visible"/>
-                                      </p:to>
-                                    </p:set>
-                                    <p:animEffect transition="in" filter="fade">
-                                      <p:cBhvr>
-                                        <p:cTn id="17" dur="400"/>
-                                        <p:tgtEl>
-                                          <p:spTgt spid="3">
-                                            <p:txEl>
-                                              <p:pRg st="4" end="4"/>
-                                            </p:txEl>
-                                          </p:spTgt>
-                                        </p:tgtEl>
-                                      </p:cBhvr>
-                                    </p:animEffect>
-                                  </p:childTnLst>
-                                </p:cTn>
-                              </p:par>
-                            </p:childTnLst>
-                          </p:cTn>
-                        </p:par>
-                      </p:childTnLst>
-                    </p:cTn>
-                  </p:par>
-                  <p:par>
-                    <p:cTn id="18" fill="hold">
-                      <p:stCondLst>
-                        <p:cond delay="indefinite"/>
-                      </p:stCondLst>
-                      <p:childTnLst>
-                        <p:par>
-                          <p:cTn id="19" fill="hold">
-                            <p:stCondLst>
-                              <p:cond delay="0"/>
-                            </p:stCondLst>
-                            <p:childTnLst>
-                              <p:par>
-                                <p:cTn id="20" presetID="10" presetClass="entr" presetSubtype="0" fill="hold" grpId="0" nodeType="clickEffect">
-                                  <p:stCondLst>
-                                    <p:cond delay="2000"/>
-                                  </p:stCondLst>
-                                  <p:iterate type="lt">
-                                    <p:tmPct val="10000"/>
-                                  </p:iterate>
-                                  <p:childTnLst>
-                                    <p:set>
-                                      <p:cBhvr>
-                                        <p:cTn id="21" dur="1" fill="hold">
-                                          <p:stCondLst>
-                                            <p:cond delay="0"/>
-                                          </p:stCondLst>
-                                        </p:cTn>
-                                        <p:tgtEl>
-                                          <p:spTgt spid="3">
-                                            <p:txEl>
-                                              <p:pRg st="5" end="5"/>
-                                            </p:txEl>
-                                          </p:spTgt>
-                                        </p:tgtEl>
-                                        <p:attrNameLst>
-                                          <p:attrName>style.visibility</p:attrName>
-                                        </p:attrNameLst>
-                                      </p:cBhvr>
-                                      <p:to>
-                                        <p:strVal val="visible"/>
-                                      </p:to>
-                                    </p:set>
-                                    <p:animEffect transition="in" filter="fade">
-                                      <p:cBhvr>
-                                        <p:cTn id="22" dur="400"/>
-                                        <p:tgtEl>
-                                          <p:spTgt spid="3">
-                                            <p:txEl>
-                                              <p:pRg st="5" end="5"/>
-                                            </p:txEl>
-                                          </p:spTgt>
-                                        </p:tgtEl>
-                                      </p:cBhvr>
-                                    </p:animEffect>
-                                  </p:childTnLst>
-                                </p:cTn>
-                              </p:par>
-                              <p:par>
-                                <p:cTn id="23" presetID="10" presetClass="entr" presetSubtype="0" fill="hold" grpId="0" nodeType="withEffect">
-                                  <p:stCondLst>
-                                    <p:cond delay="1000"/>
-                                  </p:stCondLst>
-                                  <p:iterate type="lt">
-                                    <p:tmPct val="10000"/>
-                                  </p:iterate>
-                                  <p:childTnLst>
-                                    <p:set>
-                                      <p:cBhvr>
-                                        <p:cTn id="24" dur="1" fill="hold">
-                                          <p:stCondLst>
-                                            <p:cond delay="0"/>
-                                          </p:stCondLst>
-                                        </p:cTn>
-                                        <p:tgtEl>
-                                          <p:spTgt spid="2"/>
-                                        </p:tgtEl>
-                                        <p:attrNameLst>
-                                          <p:attrName>style.visibility</p:attrName>
-                                        </p:attrNameLst>
-                                      </p:cBhvr>
-                                      <p:to>
-                                        <p:strVal val="visible"/>
-                                      </p:to>
-                                    </p:set>
-                                    <p:animEffect transition="in" filter="fade">
-                                      <p:cBhvr>
-                                        <p:cTn id="25" dur="400"/>
-                                        <p:tgtEl>
-                                          <p:spTgt spid="2"/>
-                                        </p:tgtEl>
-                                      </p:cBhvr>
-                                    </p:animEffect>
-                                  </p:childTnLst>
-                                </p:cTn>
-                              </p:par>
-                            </p:childTnLst>
-                          </p:cTn>
-                        </p:par>
-                      </p:childTnLst>
-                    </p:cTn>
-                  </p:par>
-                </p:childTnLst>
-              </p:cTn>
-              <p:prevCondLst>
-                <p:cond evt="onPrev" delay="0">
-                  <p:tgtEl>
-                    <p:sldTgt/>
-                  </p:tgtEl>
-                </p:cond>
-              </p:prevCondLst>
-              <p:nextCondLst>
-                <p:cond evt="onNext" delay="0">
-                  <p:tgtEl>
-                    <p:sldTgt/>
-                  </p:tgtEl>
-                </p:cond>
-              </p:nextCondLst>
-            </p:seq>
-          </p:childTnLst>
-        </p:cTn>
+        <p:cTn id="1" dur="indefinite" restart="never" nodeType="tmRoot"/>
       </p:par>
     </p:tnLst>
-    <p:bldLst>
-      <p:bldP spid="2" grpId="0"/>
-      <p:bldP spid="3" grpId="0" build="p"/>
-    </p:bldLst>
   </p:timing>
 </p:sld>
 </file>
@@ -5017,6 +4116,13 @@
   <p:clrMapOvr>
     <a:masterClrMapping/>
   </p:clrMapOvr>
+  <p:timing>
+    <p:tnLst>
+      <p:par>
+        <p:cTn id="1" dur="indefinite" restart="never" nodeType="tmRoot"/>
+      </p:par>
+    </p:tnLst>
+  </p:timing>
 </p:sld>
 </file>
 
@@ -5144,6 +4250,13 @@
   <p:clrMapOvr>
     <a:masterClrMapping/>
   </p:clrMapOvr>
+  <p:timing>
+    <p:tnLst>
+      <p:par>
+        <p:cTn id="1" dur="indefinite" restart="never" nodeType="tmRoot"/>
+      </p:par>
+    </p:tnLst>
+  </p:timing>
 </p:sld>
 </file>
 
@@ -5306,6 +4419,13 @@
   <p:clrMapOvr>
     <a:masterClrMapping/>
   </p:clrMapOvr>
+  <p:timing>
+    <p:tnLst>
+      <p:par>
+        <p:cTn id="1" dur="indefinite" restart="never" nodeType="tmRoot"/>
+      </p:par>
+    </p:tnLst>
+  </p:timing>
 </p:sld>
 </file>
 
@@ -5470,6 +4590,13 @@
   <p:clrMapOvr>
     <a:masterClrMapping/>
   </p:clrMapOvr>
+  <p:timing>
+    <p:tnLst>
+      <p:par>
+        <p:cTn id="1" dur="indefinite" restart="never" nodeType="tmRoot"/>
+      </p:par>
+    </p:tnLst>
+  </p:timing>
 </p:sld>
 </file>
 
@@ -5492,6 +4619,94 @@
       </p:grpSpPr>
       <p:sp>
         <p:nvSpPr>
+          <p:cNvPr id="2" name="Title 1"/>
+          <p:cNvSpPr>
+            <a:spLocks noGrp="1"/>
+          </p:cNvSpPr>
+          <p:nvPr>
+            <p:ph type="title"/>
+          </p:nvPr>
+        </p:nvSpPr>
+        <p:spPr/>
+        <p:txBody>
+          <a:bodyPr/>
+          <a:lstStyle/>
+          <a:p>
+            <a:r>
+              <a:rPr lang="pl-PL" dirty="0"/>
+              <a:t>Time for a demo</a:t>
+            </a:r>
+          </a:p>
+        </p:txBody>
+      </p:sp>
+      <p:pic>
+        <p:nvPicPr>
+          <p:cNvPr id="4" name="Content Placeholder 3"/>
+          <p:cNvPicPr>
+            <a:picLocks noGrp="1" noChangeAspect="1"/>
+          </p:cNvPicPr>
+          <p:nvPr>
+            <p:ph idx="1"/>
+          </p:nvPr>
+        </p:nvPicPr>
+        <p:blipFill>
+          <a:blip r:embed="rId2">
+            <a:extLst>
+              <a:ext uri="{28A0092B-C50C-407E-A947-70E740481C1C}">
+                <a14:useLocalDpi xmlns:a14="http://schemas.microsoft.com/office/drawing/2010/main" val="0"/>
+              </a:ext>
+            </a:extLst>
+          </a:blip>
+          <a:stretch>
+            <a:fillRect/>
+          </a:stretch>
+        </p:blipFill>
+        <p:spPr>
+          <a:xfrm>
+            <a:off x="2873828" y="1815448"/>
+            <a:ext cx="6209211" cy="4656908"/>
+          </a:xfrm>
+        </p:spPr>
+      </p:pic>
+    </p:spTree>
+    <p:extLst>
+      <p:ext uri="{BB962C8B-B14F-4D97-AF65-F5344CB8AC3E}">
+        <p14:creationId xmlns:p14="http://schemas.microsoft.com/office/powerpoint/2010/main" val="3246201596"/>
+      </p:ext>
+    </p:extLst>
+  </p:cSld>
+  <p:clrMapOvr>
+    <a:masterClrMapping/>
+  </p:clrMapOvr>
+  <p:timing>
+    <p:tnLst>
+      <p:par>
+        <p:cTn id="1" dur="indefinite" restart="never" nodeType="tmRoot"/>
+      </p:par>
+    </p:tnLst>
+  </p:timing>
+</p:sld>
+</file>
+
+<file path=ppt/slides/slide7.xml><?xml version="1.0" encoding="utf-8"?>
+<p:sld xmlns:a="http://schemas.openxmlformats.org/drawingml/2006/main" xmlns:r="http://schemas.openxmlformats.org/officeDocument/2006/relationships" xmlns:p="http://schemas.openxmlformats.org/presentationml/2006/main">
+  <p:cSld>
+    <p:spTree>
+      <p:nvGrpSpPr>
+        <p:cNvPr id="1" name=""/>
+        <p:cNvGrpSpPr/>
+        <p:nvPr/>
+      </p:nvGrpSpPr>
+      <p:grpSpPr>
+        <a:xfrm>
+          <a:off x="0" y="0"/>
+          <a:ext cx="0" cy="0"/>
+          <a:chOff x="0" y="0"/>
+          <a:chExt cx="0" cy="0"/>
+        </a:xfrm>
+      </p:grpSpPr>
+      <p:sp>
+        <p:nvSpPr>
           <p:cNvPr id="2" name="Title 1">
             <a:extLst>
               <a:ext uri="{FF2B5EF4-FFF2-40B4-BE49-F238E27FC236}">
@@ -5581,6 +4796,125 @@
   <p:clrMapOvr>
     <a:masterClrMapping/>
   </p:clrMapOvr>
+  <p:timing>
+    <p:tnLst>
+      <p:par>
+        <p:cTn id="1" dur="indefinite" restart="never" nodeType="tmRoot"/>
+      </p:par>
+    </p:tnLst>
+  </p:timing>
+</p:sld>
+</file>
+
+<file path=ppt/slides/slide8.xml><?xml version="1.0" encoding="utf-8"?>
+<p:sld xmlns:a="http://schemas.openxmlformats.org/drawingml/2006/main" xmlns:r="http://schemas.openxmlformats.org/officeDocument/2006/relationships" xmlns:p="http://schemas.openxmlformats.org/presentationml/2006/main">
+  <p:cSld>
+    <p:spTree>
+      <p:nvGrpSpPr>
+        <p:cNvPr id="1" name=""/>
+        <p:cNvGrpSpPr/>
+        <p:nvPr/>
+      </p:nvGrpSpPr>
+      <p:grpSpPr>
+        <a:xfrm>
+          <a:off x="0" y="0"/>
+          <a:ext cx="0" cy="0"/>
+          <a:chOff x="0" y="0"/>
+          <a:chExt cx="0" cy="0"/>
+        </a:xfrm>
+      </p:grpSpPr>
+      <p:sp>
+        <p:nvSpPr>
+          <p:cNvPr id="2" name="Title 1"/>
+          <p:cNvSpPr>
+            <a:spLocks noGrp="1"/>
+          </p:cNvSpPr>
+          <p:nvPr>
+            <p:ph type="title"/>
+          </p:nvPr>
+        </p:nvSpPr>
+        <p:spPr/>
+        <p:txBody>
+          <a:bodyPr/>
+          <a:lstStyle/>
+          <a:p>
+            <a:r>
+              <a:rPr lang="pl-PL" dirty="0" err="1" smtClean="0"/>
+              <a:t>Everything</a:t>
+            </a:r>
+            <a:r>
+              <a:rPr lang="pl-PL" dirty="0" smtClean="0"/>
+              <a:t> </a:t>
+            </a:r>
+            <a:r>
+              <a:rPr lang="pl-PL" dirty="0" err="1" smtClean="0"/>
+              <a:t>comes</a:t>
+            </a:r>
+            <a:r>
+              <a:rPr lang="pl-PL" dirty="0" smtClean="0"/>
+              <a:t> to </a:t>
+            </a:r>
+            <a:r>
+              <a:rPr lang="pl-PL" dirty="0" err="1" smtClean="0"/>
+              <a:t>an</a:t>
+            </a:r>
+            <a:r>
+              <a:rPr lang="pl-PL" dirty="0" smtClean="0"/>
+              <a:t> end…</a:t>
+            </a:r>
+            <a:endParaRPr lang="pl-PL" dirty="0"/>
+          </a:p>
+        </p:txBody>
+      </p:sp>
+      <p:sp>
+        <p:nvSpPr>
+          <p:cNvPr id="3" name="Content Placeholder 2"/>
+          <p:cNvSpPr>
+            <a:spLocks noGrp="1"/>
+          </p:cNvSpPr>
+          <p:nvPr>
+            <p:ph idx="1"/>
+          </p:nvPr>
+        </p:nvSpPr>
+        <p:spPr/>
+        <p:txBody>
+          <a:bodyPr>
+            <a:normAutofit/>
+          </a:bodyPr>
+          <a:lstStyle/>
+          <a:p>
+            <a:pPr algn="ctr"/>
+            <a:endParaRPr lang="pl-PL" sz="8800" dirty="0" smtClean="0"/>
+          </a:p>
+          <a:p>
+            <a:pPr marL="0" indent="0" algn="ctr">
+              <a:buNone/>
+            </a:pPr>
+            <a:r>
+              <a:rPr lang="pl-PL" sz="8800" dirty="0" smtClean="0"/>
+              <a:t>THANK YOU</a:t>
+            </a:r>
+            <a:endParaRPr lang="pl-PL" sz="8800" dirty="0"/>
+          </a:p>
+        </p:txBody>
+      </p:sp>
+    </p:spTree>
+    <p:extLst>
+      <p:ext uri="{BB962C8B-B14F-4D97-AF65-F5344CB8AC3E}">
+        <p14:creationId xmlns:p14="http://schemas.microsoft.com/office/powerpoint/2010/main" val="401091090"/>
+      </p:ext>
+    </p:extLst>
+  </p:cSld>
+  <p:clrMapOvr>
+    <a:masterClrMapping/>
+  </p:clrMapOvr>
+  <p:timing>
+    <p:tnLst>
+      <p:par>
+        <p:cTn id="1" dur="indefinite" restart="never" nodeType="tmRoot"/>
+      </p:par>
+    </p:tnLst>
+  </p:timing>
 </p:sld>
 </file>
 
